--- a/Progress 3.pptx
+++ b/Progress 3.pptx
@@ -18,35 +18,23 @@
     <p:sldId id="262" r:id="rId9"/>
     <p:sldId id="267" r:id="rId10"/>
     <p:sldId id="263" r:id="rId11"/>
-    <p:sldId id="264" r:id="rId12"/>
+    <p:sldId id="269" r:id="rId12"/>
     <p:sldId id="265" r:id="rId13"/>
   </p:sldIdLst>
   <p:sldSz cx="9144000" cy="5143500" type="screen16x9"/>
   <p:notesSz cx="6858000" cy="9144000"/>
   <p:embeddedFontLst>
     <p:embeddedFont>
-      <p:font typeface="Open Sans" panose="020B0606030504020204" pitchFamily="34" charset="0"/>
+      <p:font typeface="Open Sans" panose="020B0604020202020204" charset="0"/>
       <p:regular r:id="rId15"/>
       <p:bold r:id="rId16"/>
       <p:italic r:id="rId17"/>
       <p:boldItalic r:id="rId18"/>
     </p:embeddedFont>
     <p:embeddedFont>
-      <p:font typeface="Open Sans ExtraBold" panose="020B0604020202020204" charset="0"/>
-      <p:bold r:id="rId19"/>
-      <p:boldItalic r:id="rId20"/>
-    </p:embeddedFont>
-    <p:embeddedFont>
-      <p:font typeface="Open Sans SemiBold" panose="020B0706030804020204" pitchFamily="34" charset="0"/>
-      <p:regular r:id="rId21"/>
-      <p:bold r:id="rId22"/>
-      <p:italic r:id="rId23"/>
-      <p:boldItalic r:id="rId24"/>
-    </p:embeddedFont>
-    <p:embeddedFont>
       <p:font typeface="PT Sans Narrow" panose="020B0604020202020204" charset="0"/>
-      <p:regular r:id="rId25"/>
-      <p:bold r:id="rId26"/>
+      <p:regular r:id="rId19"/>
+      <p:bold r:id="rId20"/>
     </p:embeddedFont>
   </p:embeddedFontLst>
   <p:defaultTextStyle>
@@ -779,8 +767,8 @@
         </p:nvSpPr>
         <p:spPr>
           <a:xfrm>
-            <a:off x="381300" y="685800"/>
-            <a:ext cx="6096075" cy="3429000"/>
+            <a:off x="381000" y="685800"/>
+            <a:ext cx="6096000" cy="3429000"/>
           </a:xfrm>
           <a:custGeom>
             <a:avLst/>
@@ -883,7 +871,7 @@
         </p:nvSpPr>
         <p:spPr>
           <a:xfrm>
-            <a:off x="381300" y="685800"/>
+            <a:off x="381000" y="685800"/>
             <a:ext cx="6096000" cy="3429000"/>
           </a:xfrm>
           <a:custGeom>
@@ -987,7 +975,7 @@
         </p:nvSpPr>
         <p:spPr>
           <a:xfrm>
-            <a:off x="381300" y="685800"/>
+            <a:off x="381000" y="685800"/>
             <a:ext cx="6096000" cy="3429000"/>
           </a:xfrm>
           <a:custGeom>
@@ -1691,7 +1679,7 @@
   <p:cSld>
     <p:spTree>
       <p:nvGrpSpPr>
-        <p:cNvPr id="1" name="Shape 110"/>
+        <p:cNvPr id="1" name="Shape 98"/>
         <p:cNvGrpSpPr/>
         <p:nvPr/>
       </p:nvGrpSpPr>
@@ -1705,7 +1693,7 @@
       </p:grpSpPr>
       <p:sp>
         <p:nvSpPr>
-          <p:cNvPr id="111" name="Google Shape;111;g8584655898_0_190:notes"/>
+          <p:cNvPr id="99" name="Google Shape;99;g859093f9dd_1_1:notes"/>
           <p:cNvSpPr>
             <a:spLocks noGrp="1" noRot="1" noChangeAspect="1"/>
           </p:cNvSpPr>
@@ -1715,7 +1703,7 @@
         </p:nvSpPr>
         <p:spPr>
           <a:xfrm>
-            <a:off x="381300" y="685800"/>
+            <a:off x="381000" y="685800"/>
             <a:ext cx="6096000" cy="3429000"/>
           </a:xfrm>
           <a:custGeom>
@@ -1746,7 +1734,7 @@
       </p:sp>
       <p:sp>
         <p:nvSpPr>
-          <p:cNvPr id="112" name="Google Shape;112;g8584655898_0_190:notes"/>
+          <p:cNvPr id="100" name="Google Shape;100;g859093f9dd_1_1:notes"/>
           <p:cNvSpPr txBox="1">
             <a:spLocks noGrp="1"/>
           </p:cNvSpPr>
@@ -7324,10 +7312,14 @@
               <a:buNone/>
             </a:pPr>
             <a:r>
-              <a:rPr lang="en"/>
-              <a:t>Progress 2</a:t>
-            </a:r>
-            <a:endParaRPr/>
+              <a:rPr lang="en" dirty="0"/>
+              <a:t>Progress </a:t>
+            </a:r>
+            <a:r>
+              <a:rPr lang="id-ID" dirty="0"/>
+              <a:t>3 - FINAL</a:t>
+            </a:r>
+            <a:endParaRPr dirty="0"/>
           </a:p>
         </p:txBody>
       </p:sp>
@@ -7453,7 +7445,7 @@
   <p:cSld>
     <p:spTree>
       <p:nvGrpSpPr>
-        <p:cNvPr id="1" name="Shape 113"/>
+        <p:cNvPr id="1" name="Shape 101"/>
         <p:cNvGrpSpPr/>
         <p:nvPr/>
       </p:nvGrpSpPr>
@@ -7467,7 +7459,7 @@
       </p:grpSpPr>
       <p:sp>
         <p:nvSpPr>
-          <p:cNvPr id="114" name="Google Shape;114;p21"/>
+          <p:cNvPr id="102" name="Google Shape;102;p19"/>
           <p:cNvSpPr txBox="1">
             <a:spLocks noGrp="1"/>
           </p:cNvSpPr>
@@ -7500,16 +7492,32 @@
               <a:buNone/>
             </a:pPr>
             <a:r>
-              <a:rPr lang="en"/>
-              <a:t>Capaian Target per Progress</a:t>
-            </a:r>
-            <a:endParaRPr/>
+              <a:rPr lang="en-GB" dirty="0"/>
+              <a:t>C</a:t>
+            </a:r>
+            <a:r>
+              <a:rPr lang="id-ID" dirty="0"/>
+              <a:t>apaian Target					</a:t>
+            </a:r>
+            <a:r>
+              <a:rPr lang="id-ID" dirty="0">
+                <a:solidFill>
+                  <a:srgbClr val="B0ED03"/>
+                </a:solidFill>
+              </a:rPr>
+              <a:t>81.25%</a:t>
+            </a:r>
+            <a:endParaRPr dirty="0">
+              <a:solidFill>
+                <a:srgbClr val="B0ED03"/>
+              </a:solidFill>
+            </a:endParaRPr>
           </a:p>
         </p:txBody>
       </p:sp>
       <p:sp>
         <p:nvSpPr>
-          <p:cNvPr id="115" name="Google Shape;115;p21"/>
+          <p:cNvPr id="103" name="Google Shape;103;p19"/>
           <p:cNvSpPr txBox="1">
             <a:spLocks noGrp="1"/>
           </p:cNvSpPr>
@@ -7519,8 +7527,8 @@
         </p:nvSpPr>
         <p:spPr>
           <a:xfrm>
-            <a:off x="641550" y="1235850"/>
-            <a:ext cx="3492300" cy="2267100"/>
+            <a:off x="311700" y="1266325"/>
+            <a:ext cx="8520600" cy="3302700"/>
           </a:xfrm>
           <a:prstGeom prst="rect">
             <a:avLst/>
@@ -7532,521 +7540,613 @@
           </a:bodyPr>
           <a:lstStyle/>
           <a:p>
-            <a:pPr marL="457200" lvl="0" indent="-323850" algn="l" rtl="0">
-              <a:lnSpc>
-                <a:spcPct val="100000"/>
-              </a:lnSpc>
-              <a:spcBef>
-                <a:spcPts val="0"/>
-              </a:spcBef>
-              <a:spcAft>
-                <a:spcPts val="0"/>
-              </a:spcAft>
-              <a:buSzPts val="1500"/>
-              <a:buFont typeface="Open Sans SemiBold"/>
+            <a:pPr rtl="0" fontAlgn="base">
+              <a:spcBef>
+                <a:spcPts val="0"/>
+              </a:spcBef>
+              <a:spcAft>
+                <a:spcPts val="0"/>
+              </a:spcAft>
+              <a:buFont typeface="+mj-lt"/>
               <a:buAutoNum type="arabicPeriod"/>
             </a:pPr>
             <a:r>
-              <a:rPr lang="en" sz="1500">
-                <a:latin typeface="Open Sans SemiBold"/>
-                <a:ea typeface="Open Sans SemiBold"/>
-                <a:cs typeface="Open Sans SemiBold"/>
-                <a:sym typeface="Open Sans SemiBold"/>
+              <a:rPr lang="en-GB" sz="1800" i="0" u="none" strike="noStrike" dirty="0" err="1">
+                <a:solidFill>
+                  <a:srgbClr val="695D46"/>
+                </a:solidFill>
+                <a:effectLst/>
+                <a:latin typeface="Open Sans" panose="020B0604020202020204" charset="0"/>
               </a:rPr>
-              <a:t>Fitur 1		</a:t>
-            </a:r>
-            <a:endParaRPr sz="1500">
-              <a:latin typeface="Open Sans SemiBold"/>
-              <a:ea typeface="Open Sans SemiBold"/>
-              <a:cs typeface="Open Sans SemiBold"/>
-              <a:sym typeface="Open Sans SemiBold"/>
+              <a:t>Pembuatan</a:t>
+            </a:r>
+            <a:r>
+              <a:rPr lang="en-GB" sz="1800" i="0" u="none" strike="noStrike" dirty="0">
+                <a:solidFill>
+                  <a:srgbClr val="695D46"/>
+                </a:solidFill>
+                <a:effectLst/>
+                <a:latin typeface="Open Sans" panose="020B0604020202020204" charset="0"/>
+              </a:rPr>
+              <a:t> room</a:t>
+            </a:r>
+            <a:r>
+              <a:rPr lang="id-ID" sz="1800" i="0" u="none" strike="noStrike" dirty="0">
+                <a:solidFill>
+                  <a:srgbClr val="695D46"/>
+                </a:solidFill>
+                <a:effectLst/>
+                <a:latin typeface="Open Sans" panose="020B0604020202020204" charset="0"/>
+              </a:rPr>
+              <a:t>					</a:t>
+            </a:r>
+            <a:r>
+              <a:rPr lang="id-ID" sz="1800" b="1" i="0" u="none" strike="noStrike" dirty="0">
+                <a:solidFill>
+                  <a:srgbClr val="92D050"/>
+                </a:solidFill>
+                <a:effectLst/>
+                <a:latin typeface="Open Sans" panose="020B0604020202020204" charset="0"/>
+              </a:rPr>
+              <a:t>100%</a:t>
+            </a:r>
+          </a:p>
+          <a:p>
+            <a:pPr rtl="0" fontAlgn="base">
+              <a:spcBef>
+                <a:spcPts val="0"/>
+              </a:spcBef>
+              <a:spcAft>
+                <a:spcPts val="0"/>
+              </a:spcAft>
+              <a:buFont typeface="+mj-lt"/>
+              <a:buAutoNum type="arabicPeriod"/>
+            </a:pPr>
+            <a:r>
+              <a:rPr lang="id-ID" sz="1800" i="0" u="none" strike="noStrike" dirty="0">
+                <a:solidFill>
+                  <a:srgbClr val="695D46"/>
+                </a:solidFill>
+                <a:effectLst/>
+                <a:latin typeface="Open Sans" panose="020B0604020202020204" charset="0"/>
+              </a:rPr>
+              <a:t>M</a:t>
+            </a:r>
+            <a:r>
+              <a:rPr lang="en-GB" sz="1800" i="0" u="none" strike="noStrike" dirty="0" err="1">
+                <a:solidFill>
+                  <a:srgbClr val="695D46"/>
+                </a:solidFill>
+                <a:effectLst/>
+                <a:latin typeface="Open Sans" panose="020B0604020202020204" charset="0"/>
+              </a:rPr>
+              <a:t>emasukan</a:t>
+            </a:r>
+            <a:r>
+              <a:rPr lang="en-GB" sz="1800" i="0" u="none" strike="noStrike" dirty="0">
+                <a:solidFill>
+                  <a:srgbClr val="695D46"/>
+                </a:solidFill>
+                <a:effectLst/>
+                <a:latin typeface="Open Sans" panose="020B0604020202020204" charset="0"/>
+              </a:rPr>
+              <a:t> </a:t>
+            </a:r>
+            <a:r>
+              <a:rPr lang="en-GB" sz="1800" i="0" u="none" strike="noStrike" dirty="0" err="1">
+                <a:solidFill>
+                  <a:srgbClr val="695D46"/>
+                </a:solidFill>
+                <a:effectLst/>
+                <a:latin typeface="Open Sans" panose="020B0604020202020204" charset="0"/>
+              </a:rPr>
+              <a:t>kode</a:t>
+            </a:r>
+            <a:r>
+              <a:rPr lang="en-GB" sz="1800" i="0" u="none" strike="noStrike" dirty="0">
+                <a:solidFill>
+                  <a:srgbClr val="695D46"/>
+                </a:solidFill>
+                <a:effectLst/>
+                <a:latin typeface="Open Sans" panose="020B0604020202020204" charset="0"/>
+              </a:rPr>
+              <a:t> room</a:t>
+            </a:r>
+            <a:r>
+              <a:rPr lang="id-ID" sz="1800" i="0" u="none" strike="noStrike" dirty="0">
+                <a:solidFill>
+                  <a:srgbClr val="695D46"/>
+                </a:solidFill>
+                <a:effectLst/>
+                <a:latin typeface="Open Sans" panose="020B0604020202020204" charset="0"/>
+              </a:rPr>
+              <a:t>				</a:t>
+            </a:r>
+            <a:r>
+              <a:rPr lang="id-ID" sz="1800" b="1" i="0" u="none" strike="noStrike" dirty="0">
+                <a:solidFill>
+                  <a:srgbClr val="92D050"/>
+                </a:solidFill>
+                <a:effectLst/>
+                <a:latin typeface="Open Sans" panose="020B0604020202020204" charset="0"/>
+              </a:rPr>
+              <a:t>100%</a:t>
+            </a:r>
+          </a:p>
+          <a:p>
+            <a:pPr rtl="0" fontAlgn="base">
+              <a:spcBef>
+                <a:spcPts val="0"/>
+              </a:spcBef>
+              <a:spcAft>
+                <a:spcPts val="0"/>
+              </a:spcAft>
+              <a:buFont typeface="+mj-lt"/>
+              <a:buAutoNum type="arabicPeriod"/>
+            </a:pPr>
+            <a:r>
+              <a:rPr lang="id-ID" sz="1800" i="0" u="none" strike="noStrike" dirty="0">
+                <a:solidFill>
+                  <a:srgbClr val="695D46"/>
+                </a:solidFill>
+                <a:effectLst/>
+                <a:latin typeface="Open Sans" panose="020B0604020202020204" charset="0"/>
+              </a:rPr>
+              <a:t>M</a:t>
+            </a:r>
+            <a:r>
+              <a:rPr lang="en-GB" sz="1800" i="0" u="none" strike="noStrike" dirty="0" err="1">
+                <a:solidFill>
+                  <a:srgbClr val="695D46"/>
+                </a:solidFill>
+                <a:effectLst/>
+                <a:latin typeface="Open Sans" panose="020B0604020202020204" charset="0"/>
+              </a:rPr>
+              <a:t>emasukan</a:t>
+            </a:r>
+            <a:r>
+              <a:rPr lang="en-GB" sz="1800" i="0" u="none" strike="noStrike" dirty="0">
+                <a:solidFill>
+                  <a:srgbClr val="695D46"/>
+                </a:solidFill>
+                <a:effectLst/>
+                <a:latin typeface="Open Sans" panose="020B0604020202020204" charset="0"/>
+              </a:rPr>
+              <a:t> username</a:t>
+            </a:r>
+            <a:r>
+              <a:rPr lang="id-ID" sz="1800" i="0" u="none" strike="noStrike" dirty="0">
+                <a:solidFill>
+                  <a:srgbClr val="695D46"/>
+                </a:solidFill>
+                <a:effectLst/>
+                <a:latin typeface="Open Sans" panose="020B0604020202020204" charset="0"/>
+              </a:rPr>
+              <a:t>				</a:t>
+            </a:r>
+            <a:r>
+              <a:rPr lang="id-ID" sz="1800" b="1" i="0" u="none" strike="noStrike" dirty="0">
+                <a:solidFill>
+                  <a:srgbClr val="92D050"/>
+                </a:solidFill>
+                <a:effectLst/>
+                <a:latin typeface="Open Sans" panose="020B0604020202020204" charset="0"/>
+              </a:rPr>
+              <a:t>100%</a:t>
+            </a:r>
+          </a:p>
+          <a:p>
+            <a:pPr rtl="0" fontAlgn="base">
+              <a:spcBef>
+                <a:spcPts val="0"/>
+              </a:spcBef>
+              <a:spcAft>
+                <a:spcPts val="0"/>
+              </a:spcAft>
+              <a:buFont typeface="+mj-lt"/>
+              <a:buAutoNum type="arabicPeriod"/>
+            </a:pPr>
+            <a:r>
+              <a:rPr lang="en-GB" sz="1800" i="0" u="none" strike="noStrike" dirty="0" err="1">
+                <a:solidFill>
+                  <a:srgbClr val="695D46"/>
+                </a:solidFill>
+                <a:effectLst/>
+                <a:latin typeface="Open Sans" panose="020B0604020202020204" charset="0"/>
+              </a:rPr>
+              <a:t>Membuat</a:t>
+            </a:r>
+            <a:r>
+              <a:rPr lang="en-GB" sz="1800" i="0" u="none" strike="noStrike" dirty="0">
+                <a:solidFill>
+                  <a:srgbClr val="695D46"/>
+                </a:solidFill>
+                <a:effectLst/>
+                <a:latin typeface="Open Sans" panose="020B0604020202020204" charset="0"/>
+              </a:rPr>
+              <a:t> </a:t>
+            </a:r>
+            <a:r>
+              <a:rPr lang="en-GB" sz="1800" i="0" u="none" strike="noStrike" dirty="0" err="1">
+                <a:solidFill>
+                  <a:srgbClr val="695D46"/>
+                </a:solidFill>
+                <a:effectLst/>
+                <a:latin typeface="Open Sans" panose="020B0604020202020204" charset="0"/>
+              </a:rPr>
+              <a:t>sesi</a:t>
+            </a:r>
+            <a:r>
+              <a:rPr lang="en-GB" sz="1800" i="0" u="none" strike="noStrike" dirty="0">
+                <a:solidFill>
+                  <a:srgbClr val="695D46"/>
+                </a:solidFill>
+                <a:effectLst/>
+                <a:latin typeface="Open Sans" panose="020B0604020202020204" charset="0"/>
+              </a:rPr>
+              <a:t> </a:t>
+            </a:r>
+            <a:r>
+              <a:rPr lang="en-GB" sz="1800" i="0" u="none" strike="noStrike" dirty="0" err="1">
+                <a:solidFill>
+                  <a:srgbClr val="695D46"/>
+                </a:solidFill>
+                <a:effectLst/>
+                <a:latin typeface="Open Sans" panose="020B0604020202020204" charset="0"/>
+              </a:rPr>
+              <a:t>permainan</a:t>
+            </a:r>
+            <a:r>
+              <a:rPr lang="id-ID" sz="1800" i="0" u="none" strike="noStrike" dirty="0">
+                <a:solidFill>
+                  <a:srgbClr val="695D46"/>
+                </a:solidFill>
+                <a:effectLst/>
+                <a:latin typeface="Open Sans" panose="020B0604020202020204" charset="0"/>
+              </a:rPr>
+              <a:t>				</a:t>
+            </a:r>
+            <a:r>
+              <a:rPr lang="id-ID" sz="1800" b="1" i="0" u="none" strike="noStrike" dirty="0">
+                <a:solidFill>
+                  <a:srgbClr val="92D050"/>
+                </a:solidFill>
+                <a:effectLst/>
+                <a:latin typeface="Open Sans" panose="020B0604020202020204" charset="0"/>
+              </a:rPr>
+              <a:t>100%</a:t>
+            </a:r>
+            <a:endParaRPr lang="id-ID" b="1" dirty="0">
+              <a:solidFill>
+                <a:srgbClr val="92D050"/>
+              </a:solidFill>
+              <a:latin typeface="Open Sans" panose="020B0604020202020204" charset="0"/>
             </a:endParaRPr>
           </a:p>
           <a:p>
-            <a:pPr marL="457200" lvl="0" indent="0" algn="l" rtl="0">
-              <a:lnSpc>
-                <a:spcPct val="100000"/>
-              </a:lnSpc>
-              <a:spcBef>
-                <a:spcPts val="1600"/>
-              </a:spcBef>
-              <a:spcAft>
-                <a:spcPts val="0"/>
-              </a:spcAft>
-              <a:buNone/>
+            <a:pPr rtl="0" fontAlgn="base">
+              <a:spcBef>
+                <a:spcPts val="0"/>
+              </a:spcBef>
+              <a:spcAft>
+                <a:spcPts val="0"/>
+              </a:spcAft>
+              <a:buFont typeface="+mj-lt"/>
+              <a:buAutoNum type="arabicPeriod"/>
             </a:pPr>
             <a:r>
-              <a:rPr lang="en" sz="1500">
-                <a:solidFill>
-                  <a:srgbClr val="6AA84F"/>
-                </a:solidFill>
-                <a:latin typeface="Open Sans SemiBold"/>
-                <a:ea typeface="Open Sans SemiBold"/>
-                <a:cs typeface="Open Sans SemiBold"/>
-                <a:sym typeface="Open Sans SemiBold"/>
+              <a:rPr lang="id-ID" sz="1800" i="0" u="none" strike="noStrike" dirty="0">
+                <a:solidFill>
+                  <a:srgbClr val="695D46"/>
+                </a:solidFill>
+                <a:effectLst/>
+                <a:latin typeface="Open Sans" panose="020B0604020202020204" charset="0"/>
               </a:rPr>
-              <a:t>Tercapai</a:t>
-            </a:r>
-            <a:endParaRPr sz="1500">
-              <a:solidFill>
-                <a:srgbClr val="6AA84F"/>
-              </a:solidFill>
-              <a:latin typeface="Open Sans SemiBold"/>
-              <a:ea typeface="Open Sans SemiBold"/>
-              <a:cs typeface="Open Sans SemiBold"/>
-              <a:sym typeface="Open Sans SemiBold"/>
-            </a:endParaRPr>
+              <a:t>P</a:t>
+            </a:r>
+            <a:r>
+              <a:rPr lang="en-GB" sz="1800" i="0" u="none" strike="noStrike" dirty="0" err="1">
+                <a:solidFill>
+                  <a:srgbClr val="695D46"/>
+                </a:solidFill>
+                <a:effectLst/>
+                <a:latin typeface="Open Sans" panose="020B0604020202020204" charset="0"/>
+              </a:rPr>
+              <a:t>embagian</a:t>
+            </a:r>
+            <a:r>
+              <a:rPr lang="en-GB" sz="1800" i="0" u="none" strike="noStrike" dirty="0">
+                <a:solidFill>
+                  <a:srgbClr val="695D46"/>
+                </a:solidFill>
+                <a:effectLst/>
+                <a:latin typeface="Open Sans" panose="020B0604020202020204" charset="0"/>
+              </a:rPr>
+              <a:t> role</a:t>
+            </a:r>
+            <a:r>
+              <a:rPr lang="id-ID" sz="1800" i="0" u="none" strike="noStrike" dirty="0">
+                <a:solidFill>
+                  <a:srgbClr val="695D46"/>
+                </a:solidFill>
+                <a:effectLst/>
+                <a:latin typeface="Open Sans" panose="020B0604020202020204" charset="0"/>
+              </a:rPr>
+              <a:t>					</a:t>
+            </a:r>
+            <a:r>
+              <a:rPr lang="id-ID" sz="1800" b="1" i="0" u="none" strike="noStrike" dirty="0">
+                <a:solidFill>
+                  <a:srgbClr val="92D050"/>
+                </a:solidFill>
+                <a:effectLst/>
+                <a:latin typeface="Open Sans" panose="020B0604020202020204" charset="0"/>
+              </a:rPr>
+              <a:t>100%</a:t>
+            </a:r>
           </a:p>
           <a:p>
-            <a:pPr marL="457200" lvl="0" indent="0" algn="l" rtl="0">
-              <a:lnSpc>
-                <a:spcPct val="100000"/>
-              </a:lnSpc>
-              <a:spcBef>
-                <a:spcPts val="1600"/>
-              </a:spcBef>
-              <a:spcAft>
-                <a:spcPts val="0"/>
-              </a:spcAft>
-              <a:buNone/>
+            <a:pPr rtl="0" fontAlgn="base">
+              <a:spcBef>
+                <a:spcPts val="0"/>
+              </a:spcBef>
+              <a:spcAft>
+                <a:spcPts val="0"/>
+              </a:spcAft>
+              <a:buFont typeface="+mj-lt"/>
+              <a:buAutoNum type="arabicPeriod"/>
             </a:pPr>
-            <a:endParaRPr sz="1500">
-              <a:latin typeface="Open Sans SemiBold"/>
-              <a:ea typeface="Open Sans SemiBold"/>
-              <a:cs typeface="Open Sans SemiBold"/>
-              <a:sym typeface="Open Sans SemiBold"/>
-            </a:endParaRPr>
+            <a:r>
+              <a:rPr lang="id-ID" dirty="0">
+                <a:solidFill>
+                  <a:srgbClr val="695D46"/>
+                </a:solidFill>
+                <a:latin typeface="Open Sans" panose="020B0604020202020204" charset="0"/>
+              </a:rPr>
+              <a:t>F</a:t>
+            </a:r>
+            <a:r>
+              <a:rPr lang="en-GB" sz="1800" i="0" u="none" strike="noStrike" dirty="0" err="1">
+                <a:solidFill>
+                  <a:srgbClr val="695D46"/>
+                </a:solidFill>
+                <a:effectLst/>
+                <a:latin typeface="Open Sans" panose="020B0604020202020204" charset="0"/>
+              </a:rPr>
+              <a:t>itur</a:t>
+            </a:r>
+            <a:r>
+              <a:rPr lang="en-GB" sz="1800" i="0" u="none" strike="noStrike" dirty="0">
+                <a:solidFill>
+                  <a:srgbClr val="695D46"/>
+                </a:solidFill>
+                <a:effectLst/>
+                <a:latin typeface="Open Sans" panose="020B0604020202020204" charset="0"/>
+              </a:rPr>
+              <a:t> chat </a:t>
+            </a:r>
+            <a:r>
+              <a:rPr lang="en-GB" sz="1800" i="0" u="none" strike="noStrike" dirty="0" err="1">
+                <a:solidFill>
+                  <a:srgbClr val="695D46"/>
+                </a:solidFill>
+                <a:effectLst/>
+                <a:latin typeface="Open Sans" panose="020B0604020202020204" charset="0"/>
+              </a:rPr>
+              <a:t>untuk</a:t>
+            </a:r>
+            <a:r>
+              <a:rPr lang="en-GB" sz="1800" i="0" u="none" strike="noStrike" dirty="0">
+                <a:solidFill>
+                  <a:srgbClr val="695D46"/>
+                </a:solidFill>
+                <a:effectLst/>
+                <a:latin typeface="Open Sans" panose="020B0604020202020204" charset="0"/>
+              </a:rPr>
+              <a:t> </a:t>
+            </a:r>
+            <a:r>
+              <a:rPr lang="en-GB" sz="1800" i="0" u="none" strike="noStrike" dirty="0" err="1">
+                <a:solidFill>
+                  <a:srgbClr val="695D46"/>
+                </a:solidFill>
+                <a:effectLst/>
+                <a:latin typeface="Open Sans" panose="020B0604020202020204" charset="0"/>
+              </a:rPr>
+              <a:t>bermain</a:t>
+            </a:r>
+            <a:r>
+              <a:rPr lang="id-ID" sz="1800" i="0" u="none" strike="noStrike" dirty="0">
+                <a:solidFill>
+                  <a:srgbClr val="695D46"/>
+                </a:solidFill>
+                <a:effectLst/>
+                <a:latin typeface="Open Sans" panose="020B0604020202020204" charset="0"/>
+              </a:rPr>
+              <a:t>				</a:t>
+            </a:r>
+            <a:r>
+              <a:rPr lang="id-ID" sz="1800" b="1" i="0" u="none" strike="noStrike" dirty="0">
+                <a:solidFill>
+                  <a:srgbClr val="92D050"/>
+                </a:solidFill>
+                <a:effectLst/>
+                <a:latin typeface="Open Sans" panose="020B0604020202020204" charset="0"/>
+              </a:rPr>
+              <a:t>100%</a:t>
+            </a:r>
           </a:p>
           <a:p>
-            <a:pPr marL="457200" lvl="0" indent="-323850" algn="l" rtl="0">
-              <a:lnSpc>
-                <a:spcPct val="100000"/>
-              </a:lnSpc>
-              <a:spcBef>
-                <a:spcPts val="1600"/>
-              </a:spcBef>
-              <a:spcAft>
-                <a:spcPts val="0"/>
-              </a:spcAft>
-              <a:buSzPts val="1500"/>
-              <a:buFont typeface="Open Sans SemiBold"/>
+            <a:pPr rtl="0" fontAlgn="base">
+              <a:spcBef>
+                <a:spcPts val="0"/>
+              </a:spcBef>
+              <a:spcAft>
+                <a:spcPts val="0"/>
+              </a:spcAft>
+              <a:buFont typeface="+mj-lt"/>
               <a:buAutoNum type="arabicPeriod"/>
             </a:pPr>
             <a:r>
-              <a:rPr lang="en" sz="1500">
-                <a:latin typeface="Open Sans SemiBold"/>
-                <a:ea typeface="Open Sans SemiBold"/>
-                <a:cs typeface="Open Sans SemiBold"/>
-                <a:sym typeface="Open Sans SemiBold"/>
+              <a:rPr lang="en-GB" sz="1800" i="0" u="none" strike="noStrike" dirty="0">
+                <a:solidFill>
+                  <a:srgbClr val="695D46"/>
+                </a:solidFill>
+                <a:effectLst/>
+                <a:latin typeface="Open Sans" panose="020B0604020202020204" charset="0"/>
               </a:rPr>
-              <a:t>Fitur 2</a:t>
-            </a:r>
-            <a:endParaRPr sz="1500">
-              <a:latin typeface="Open Sans SemiBold"/>
-              <a:ea typeface="Open Sans SemiBold"/>
-              <a:cs typeface="Open Sans SemiBold"/>
-              <a:sym typeface="Open Sans SemiBold"/>
-            </a:endParaRPr>
+              <a:t>Voting user</a:t>
+            </a:r>
+            <a:r>
+              <a:rPr lang="id-ID" sz="1800" i="0" u="none" strike="noStrike" dirty="0">
+                <a:solidFill>
+                  <a:srgbClr val="695D46"/>
+                </a:solidFill>
+                <a:effectLst/>
+                <a:latin typeface="Open Sans" panose="020B0604020202020204" charset="0"/>
+              </a:rPr>
+              <a:t> dan </a:t>
+            </a:r>
+            <a:r>
+              <a:rPr lang="en-GB" sz="1800" i="0" u="none" strike="noStrike" dirty="0" err="1">
+                <a:solidFill>
+                  <a:srgbClr val="695D46"/>
+                </a:solidFill>
+                <a:effectLst/>
+                <a:latin typeface="Open Sans" panose="020B0604020202020204" charset="0"/>
+              </a:rPr>
+              <a:t>diskualifikasi</a:t>
+            </a:r>
+            <a:r>
+              <a:rPr lang="en-GB" sz="1800" i="0" u="none" strike="noStrike" dirty="0">
+                <a:solidFill>
+                  <a:srgbClr val="695D46"/>
+                </a:solidFill>
+                <a:effectLst/>
+                <a:latin typeface="Open Sans" panose="020B0604020202020204" charset="0"/>
+              </a:rPr>
+              <a:t> player</a:t>
+            </a:r>
+            <a:r>
+              <a:rPr lang="id-ID" sz="1800" i="0" u="none" strike="noStrike" dirty="0">
+                <a:solidFill>
+                  <a:srgbClr val="695D46"/>
+                </a:solidFill>
+                <a:effectLst/>
+                <a:latin typeface="Open Sans" panose="020B0604020202020204" charset="0"/>
+              </a:rPr>
+              <a:t> 			</a:t>
+            </a:r>
+            <a:r>
+              <a:rPr lang="id-ID" sz="1800" b="1" i="0" u="none" strike="noStrike" dirty="0">
+                <a:solidFill>
+                  <a:schemeClr val="accent4">
+                    <a:lumMod val="60000"/>
+                    <a:lumOff val="40000"/>
+                  </a:schemeClr>
+                </a:solidFill>
+                <a:effectLst/>
+                <a:latin typeface="Open Sans" panose="020B0604020202020204" charset="0"/>
+              </a:rPr>
+              <a:t>50%</a:t>
+            </a:r>
           </a:p>
           <a:p>
-            <a:pPr marL="457200" lvl="0" indent="0" algn="l" rtl="0">
-              <a:lnSpc>
-                <a:spcPct val="100000"/>
-              </a:lnSpc>
-              <a:spcBef>
-                <a:spcPts val="1600"/>
-              </a:spcBef>
-              <a:spcAft>
-                <a:spcPts val="0"/>
-              </a:spcAft>
-              <a:buNone/>
+            <a:pPr rtl="0" fontAlgn="base">
+              <a:spcBef>
+                <a:spcPts val="0"/>
+              </a:spcBef>
+              <a:spcAft>
+                <a:spcPts val="0"/>
+              </a:spcAft>
+              <a:buFont typeface="+mj-lt"/>
+              <a:buAutoNum type="arabicPeriod"/>
             </a:pPr>
             <a:r>
-              <a:rPr lang="en" sz="1500">
-                <a:solidFill>
-                  <a:srgbClr val="CC0000"/>
-                </a:solidFill>
-                <a:latin typeface="Open Sans SemiBold"/>
-                <a:ea typeface="Open Sans SemiBold"/>
-                <a:cs typeface="Open Sans SemiBold"/>
-                <a:sym typeface="Open Sans SemiBold"/>
+              <a:rPr lang="id-ID" dirty="0">
+                <a:solidFill>
+                  <a:srgbClr val="695D46"/>
+                </a:solidFill>
+                <a:latin typeface="Open Sans" panose="020B0604020202020204" charset="0"/>
               </a:rPr>
-              <a:t>Belum Tercapai</a:t>
-            </a:r>
-            <a:endParaRPr sz="1500">
+              <a:t>P</a:t>
+            </a:r>
+            <a:r>
+              <a:rPr lang="en-GB" sz="1800" i="0" u="none" strike="noStrike" dirty="0" err="1">
+                <a:solidFill>
+                  <a:srgbClr val="695D46"/>
+                </a:solidFill>
+                <a:effectLst/>
+                <a:latin typeface="Open Sans" panose="020B0604020202020204" charset="0"/>
+              </a:rPr>
+              <a:t>enetapan</a:t>
+            </a:r>
+            <a:r>
+              <a:rPr lang="en-GB" sz="1800" i="0" u="none" strike="noStrike" dirty="0">
+                <a:solidFill>
+                  <a:srgbClr val="695D46"/>
+                </a:solidFill>
+                <a:effectLst/>
+                <a:latin typeface="Open Sans" panose="020B0604020202020204" charset="0"/>
+              </a:rPr>
+              <a:t> </a:t>
+            </a:r>
+            <a:r>
+              <a:rPr lang="en-GB" sz="1800" i="0" u="none" strike="noStrike" dirty="0" err="1">
+                <a:solidFill>
+                  <a:srgbClr val="695D46"/>
+                </a:solidFill>
+                <a:effectLst/>
+                <a:latin typeface="Open Sans" panose="020B0604020202020204" charset="0"/>
+              </a:rPr>
+              <a:t>pemenang</a:t>
+            </a:r>
+            <a:r>
+              <a:rPr lang="id-ID" sz="1800" i="0" u="none" strike="noStrike" dirty="0">
+                <a:solidFill>
+                  <a:srgbClr val="695D46"/>
+                </a:solidFill>
+                <a:effectLst/>
+                <a:latin typeface="Open Sans" panose="020B0604020202020204" charset="0"/>
+              </a:rPr>
+              <a:t> 	</a:t>
+            </a:r>
+            <a:r>
+              <a:rPr lang="id-ID" sz="1800" b="1" i="0" u="none" strike="noStrike" dirty="0">
+                <a:solidFill>
+                  <a:srgbClr val="695D46"/>
+                </a:solidFill>
+                <a:effectLst/>
+                <a:latin typeface="Open Sans" panose="020B0604020202020204" charset="0"/>
+              </a:rPr>
+              <a:t>			</a:t>
+            </a:r>
+            <a:r>
+              <a:rPr lang="id-ID" sz="1800" b="1" i="0" u="none" strike="noStrike" dirty="0">
+                <a:solidFill>
+                  <a:srgbClr val="C00000"/>
+                </a:solidFill>
+                <a:effectLst/>
+                <a:latin typeface="Open Sans" panose="020B0604020202020204" charset="0"/>
+              </a:rPr>
+              <a:t>0%</a:t>
+            </a:r>
+            <a:endParaRPr lang="en-GB" sz="1800" b="1" i="0" u="none" strike="noStrike" dirty="0">
               <a:solidFill>
-                <a:srgbClr val="CC0000"/>
+                <a:srgbClr val="C00000"/>
               </a:solidFill>
-              <a:latin typeface="Open Sans SemiBold"/>
-              <a:ea typeface="Open Sans SemiBold"/>
-              <a:cs typeface="Open Sans SemiBold"/>
-              <a:sym typeface="Open Sans SemiBold"/>
-            </a:endParaRPr>
-          </a:p>
-          <a:p>
-            <a:pPr marL="0" lvl="0" indent="0" algn="l" rtl="0">
-              <a:lnSpc>
-                <a:spcPct val="100000"/>
-              </a:lnSpc>
-              <a:spcBef>
-                <a:spcPts val="1600"/>
-              </a:spcBef>
-              <a:spcAft>
-                <a:spcPts val="0"/>
-              </a:spcAft>
-              <a:buNone/>
-            </a:pPr>
-            <a:endParaRPr sz="1500">
-              <a:solidFill>
-                <a:srgbClr val="6AA84F"/>
-              </a:solidFill>
-              <a:latin typeface="Open Sans SemiBold"/>
-              <a:ea typeface="Open Sans SemiBold"/>
-              <a:cs typeface="Open Sans SemiBold"/>
-              <a:sym typeface="Open Sans SemiBold"/>
-            </a:endParaRPr>
-          </a:p>
-          <a:p>
-            <a:pPr marL="0" lvl="0" indent="0" algn="l" rtl="0">
-              <a:spcBef>
-                <a:spcPts val="1600"/>
-              </a:spcBef>
-              <a:spcAft>
-                <a:spcPts val="1600"/>
-              </a:spcAft>
-              <a:buNone/>
-            </a:pPr>
-            <a:endParaRPr b="1"/>
-          </a:p>
-        </p:txBody>
-      </p:sp>
-      <p:pic>
-        <p:nvPicPr>
-          <p:cNvPr id="116" name="Google Shape;116;p21"/>
-          <p:cNvPicPr preferRelativeResize="0"/>
-          <p:nvPr/>
-        </p:nvPicPr>
-        <p:blipFill>
-          <a:blip r:embed="rId3">
-            <a:alphaModFix/>
-          </a:blip>
-          <a:stretch>
-            <a:fillRect/>
-          </a:stretch>
-        </p:blipFill>
-        <p:spPr>
-          <a:xfrm>
-            <a:off x="5514325" y="1934022"/>
-            <a:ext cx="2453192" cy="491230"/>
-          </a:xfrm>
-          <a:prstGeom prst="rect">
-            <a:avLst/>
-          </a:prstGeom>
-          <a:noFill/>
-          <a:ln>
-            <a:noFill/>
-          </a:ln>
-        </p:spPr>
-      </p:pic>
-      <p:pic>
-        <p:nvPicPr>
-          <p:cNvPr id="117" name="Google Shape;117;p21"/>
-          <p:cNvPicPr preferRelativeResize="0"/>
-          <p:nvPr/>
-        </p:nvPicPr>
-        <p:blipFill>
-          <a:blip r:embed="rId4">
-            <a:alphaModFix/>
-          </a:blip>
-          <a:stretch>
-            <a:fillRect/>
-          </a:stretch>
-        </p:blipFill>
-        <p:spPr>
-          <a:xfrm>
-            <a:off x="6358691" y="1810375"/>
-            <a:ext cx="95198" cy="738515"/>
-          </a:xfrm>
-          <a:prstGeom prst="rect">
-            <a:avLst/>
-          </a:prstGeom>
-          <a:noFill/>
-          <a:ln>
-            <a:noFill/>
-          </a:ln>
-        </p:spPr>
-      </p:pic>
-      <p:sp>
-        <p:nvSpPr>
-          <p:cNvPr id="118" name="Google Shape;118;p21"/>
-          <p:cNvSpPr txBox="1"/>
-          <p:nvPr/>
-        </p:nvSpPr>
-        <p:spPr>
-          <a:xfrm>
-            <a:off x="6158672" y="2477618"/>
-            <a:ext cx="953100" cy="550800"/>
-          </a:xfrm>
-          <a:prstGeom prst="rect">
-            <a:avLst/>
-          </a:prstGeom>
-          <a:noFill/>
-          <a:ln>
-            <a:noFill/>
-          </a:ln>
-        </p:spPr>
-        <p:txBody>
-          <a:bodyPr spcFirstLastPara="1" wrap="square" lIns="91425" tIns="91425" rIns="91425" bIns="91425" anchor="t" anchorCtr="0">
-            <a:noAutofit/>
-          </a:bodyPr>
-          <a:lstStyle/>
-          <a:p>
-            <a:pPr marL="0" lvl="0" indent="0" algn="l" rtl="0">
-              <a:spcBef>
-                <a:spcPts val="0"/>
-              </a:spcBef>
-              <a:spcAft>
-                <a:spcPts val="0"/>
-              </a:spcAft>
-              <a:buNone/>
-            </a:pPr>
-            <a:r>
-              <a:rPr lang="en" sz="1600" b="1">
-                <a:latin typeface="Open Sans"/>
-                <a:ea typeface="Open Sans"/>
-                <a:cs typeface="Open Sans"/>
-                <a:sym typeface="Open Sans"/>
-              </a:rPr>
-              <a:t>40%</a:t>
-            </a:r>
-            <a:endParaRPr sz="1600" b="1">
-              <a:latin typeface="Open Sans"/>
-              <a:ea typeface="Open Sans"/>
-              <a:cs typeface="Open Sans"/>
-              <a:sym typeface="Open Sans"/>
+              <a:effectLst/>
+              <a:latin typeface="Open Sans" panose="020B0604020202020204" charset="0"/>
             </a:endParaRPr>
           </a:p>
         </p:txBody>
       </p:sp>
-      <p:sp>
-        <p:nvSpPr>
-          <p:cNvPr id="119" name="Google Shape;119;p21"/>
-          <p:cNvSpPr txBox="1"/>
-          <p:nvPr/>
-        </p:nvSpPr>
-        <p:spPr>
-          <a:xfrm>
-            <a:off x="2995825" y="1309475"/>
-            <a:ext cx="1257600" cy="499200"/>
-          </a:xfrm>
-          <a:prstGeom prst="rect">
-            <a:avLst/>
-          </a:prstGeom>
-          <a:noFill/>
-          <a:ln>
-            <a:noFill/>
-          </a:ln>
-        </p:spPr>
-        <p:txBody>
-          <a:bodyPr spcFirstLastPara="1" wrap="square" lIns="91425" tIns="91425" rIns="91425" bIns="91425" anchor="t" anchorCtr="0">
-            <a:noAutofit/>
-          </a:bodyPr>
-          <a:lstStyle/>
-          <a:p>
-            <a:pPr marL="0" lvl="0" indent="0" algn="l" rtl="0">
-              <a:spcBef>
-                <a:spcPts val="0"/>
-              </a:spcBef>
-              <a:spcAft>
-                <a:spcPts val="0"/>
-              </a:spcAft>
-              <a:buNone/>
-            </a:pPr>
-            <a:r>
-              <a:rPr lang="en" sz="2400" b="1">
-                <a:solidFill>
-                  <a:srgbClr val="4A86E8"/>
-                </a:solidFill>
-                <a:latin typeface="Open Sans"/>
-                <a:ea typeface="Open Sans"/>
-                <a:cs typeface="Open Sans"/>
-                <a:sym typeface="Open Sans"/>
-              </a:rPr>
-              <a:t>90%</a:t>
-            </a:r>
-            <a:endParaRPr sz="2400" b="1">
-              <a:solidFill>
-                <a:srgbClr val="4A86E8"/>
-              </a:solidFill>
-              <a:latin typeface="Open Sans"/>
-              <a:ea typeface="Open Sans"/>
-              <a:cs typeface="Open Sans"/>
-              <a:sym typeface="Open Sans"/>
-            </a:endParaRPr>
-          </a:p>
-        </p:txBody>
-      </p:sp>
-      <p:sp>
-        <p:nvSpPr>
-          <p:cNvPr id="120" name="Google Shape;120;p21"/>
-          <p:cNvSpPr txBox="1"/>
-          <p:nvPr/>
-        </p:nvSpPr>
-        <p:spPr>
-          <a:xfrm>
-            <a:off x="2995825" y="2469650"/>
-            <a:ext cx="1257600" cy="499200"/>
-          </a:xfrm>
-          <a:prstGeom prst="rect">
-            <a:avLst/>
-          </a:prstGeom>
-          <a:noFill/>
-          <a:ln>
-            <a:noFill/>
-          </a:ln>
-        </p:spPr>
-        <p:txBody>
-          <a:bodyPr spcFirstLastPara="1" wrap="square" lIns="91425" tIns="91425" rIns="91425" bIns="91425" anchor="t" anchorCtr="0">
-            <a:noAutofit/>
-          </a:bodyPr>
-          <a:lstStyle/>
-          <a:p>
-            <a:pPr marL="0" lvl="0" indent="0" algn="l" rtl="0">
-              <a:spcBef>
-                <a:spcPts val="0"/>
-              </a:spcBef>
-              <a:spcAft>
-                <a:spcPts val="0"/>
-              </a:spcAft>
-              <a:buNone/>
-            </a:pPr>
-            <a:r>
-              <a:rPr lang="en" sz="2400" b="1">
-                <a:solidFill>
-                  <a:srgbClr val="FF9900"/>
-                </a:solidFill>
-                <a:latin typeface="Open Sans"/>
-                <a:ea typeface="Open Sans"/>
-                <a:cs typeface="Open Sans"/>
-                <a:sym typeface="Open Sans"/>
-              </a:rPr>
-              <a:t>0%</a:t>
-            </a:r>
-            <a:endParaRPr sz="2400" b="1">
-              <a:solidFill>
-                <a:srgbClr val="FF9900"/>
-              </a:solidFill>
-              <a:latin typeface="Open Sans"/>
-              <a:ea typeface="Open Sans"/>
-              <a:cs typeface="Open Sans"/>
-              <a:sym typeface="Open Sans"/>
-            </a:endParaRPr>
-          </a:p>
-        </p:txBody>
-      </p:sp>
-      <p:sp>
-        <p:nvSpPr>
-          <p:cNvPr id="121" name="Google Shape;121;p21"/>
-          <p:cNvSpPr txBox="1">
-            <a:spLocks noGrp="1"/>
-          </p:cNvSpPr>
-          <p:nvPr>
-            <p:ph type="body" idx="1"/>
-          </p:nvPr>
-        </p:nvSpPr>
-        <p:spPr>
-          <a:xfrm>
-            <a:off x="5979600" y="1235850"/>
-            <a:ext cx="1679700" cy="491100"/>
-          </a:xfrm>
-          <a:prstGeom prst="rect">
-            <a:avLst/>
-          </a:prstGeom>
-        </p:spPr>
-        <p:txBody>
-          <a:bodyPr spcFirstLastPara="1" wrap="square" lIns="91425" tIns="91425" rIns="91425" bIns="91425" anchor="t" anchorCtr="0">
-            <a:noAutofit/>
-          </a:bodyPr>
-          <a:lstStyle/>
-          <a:p>
-            <a:pPr marL="0" lvl="0" indent="0" algn="l" rtl="0">
-              <a:lnSpc>
-                <a:spcPct val="100000"/>
-              </a:lnSpc>
-              <a:spcBef>
-                <a:spcPts val="0"/>
-              </a:spcBef>
-              <a:spcAft>
-                <a:spcPts val="0"/>
-              </a:spcAft>
-              <a:buNone/>
-            </a:pPr>
-            <a:r>
-              <a:rPr lang="en" sz="1500" dirty="0">
-                <a:latin typeface="Open Sans ExtraBold"/>
-                <a:ea typeface="Open Sans ExtraBold"/>
-                <a:cs typeface="Open Sans ExtraBold"/>
-                <a:sym typeface="Open Sans ExtraBold"/>
-              </a:rPr>
-              <a:t>KESELURUHAN	</a:t>
-            </a:r>
-            <a:r>
-              <a:rPr lang="en" sz="1500" dirty="0">
-                <a:latin typeface="Open Sans SemiBold"/>
-                <a:ea typeface="Open Sans SemiBold"/>
-                <a:cs typeface="Open Sans SemiBold"/>
-                <a:sym typeface="Open Sans SemiBold"/>
-              </a:rPr>
-              <a:t>	</a:t>
-            </a:r>
-            <a:endParaRPr sz="1500" dirty="0">
-              <a:solidFill>
-                <a:srgbClr val="6AA84F"/>
-              </a:solidFill>
-              <a:latin typeface="Open Sans SemiBold"/>
-              <a:ea typeface="Open Sans SemiBold"/>
-              <a:cs typeface="Open Sans SemiBold"/>
-              <a:sym typeface="Open Sans SemiBold"/>
-            </a:endParaRPr>
-          </a:p>
-          <a:p>
-            <a:pPr marL="0" lvl="0" indent="0" algn="l" rtl="0">
-              <a:lnSpc>
-                <a:spcPct val="100000"/>
-              </a:lnSpc>
-              <a:spcBef>
-                <a:spcPts val="1600"/>
-              </a:spcBef>
-              <a:spcAft>
-                <a:spcPts val="0"/>
-              </a:spcAft>
-              <a:buNone/>
-            </a:pPr>
-            <a:endParaRPr sz="1500" dirty="0">
-              <a:solidFill>
-                <a:srgbClr val="6AA84F"/>
-              </a:solidFill>
-              <a:latin typeface="Open Sans SemiBold"/>
-              <a:ea typeface="Open Sans SemiBold"/>
-              <a:cs typeface="Open Sans SemiBold"/>
-              <a:sym typeface="Open Sans SemiBold"/>
-            </a:endParaRPr>
-          </a:p>
-          <a:p>
-            <a:pPr marL="0" lvl="0" indent="0" algn="l" rtl="0">
-              <a:spcBef>
-                <a:spcPts val="1600"/>
-              </a:spcBef>
-              <a:spcAft>
-                <a:spcPts val="1600"/>
-              </a:spcAft>
-              <a:buNone/>
-            </a:pPr>
-            <a:endParaRPr b="1" dirty="0"/>
-          </a:p>
-        </p:txBody>
-      </p:sp>
     </p:spTree>
+    <p:extLst>
+      <p:ext uri="{BB962C8B-B14F-4D97-AF65-F5344CB8AC3E}">
+        <p14:creationId xmlns:p14="http://schemas.microsoft.com/office/powerpoint/2010/main" val="3393704218"/>
+      </p:ext>
+    </p:extLst>
   </p:cSld>
   <p:clrMapOvr>
     <a:masterClrMapping/>
@@ -8106,10 +8206,10 @@
               <a:buNone/>
             </a:pPr>
             <a:r>
-              <a:rPr lang="en"/>
+              <a:rPr lang="en" dirty="0"/>
               <a:t>Target Selanjutnya</a:t>
             </a:r>
-            <a:endParaRPr/>
+            <a:endParaRPr dirty="0"/>
           </a:p>
         </p:txBody>
       </p:sp>
@@ -8150,9 +8250,9 @@
             </a:pPr>
             <a:r>
               <a:rPr lang="en" dirty="0"/>
-              <a:t>Menyelesaikan Bug dan Eror pada chat</a:t>
-            </a:r>
-            <a:endParaRPr dirty="0"/>
+              <a:t>Menyelesaikan Bug dan Eror</a:t>
+            </a:r>
+            <a:endParaRPr lang="id-ID" dirty="0"/>
           </a:p>
           <a:p>
             <a:pPr marL="457200" lvl="0" indent="-342900" algn="l" rtl="0">
@@ -8167,41 +8267,15 @@
             </a:pPr>
             <a:r>
               <a:rPr lang="en" dirty="0"/>
-              <a:t>Menyelesaikan Fitur pembagian role</a:t>
-            </a:r>
-            <a:endParaRPr dirty="0"/>
-          </a:p>
-          <a:p>
-            <a:pPr marL="457200" lvl="0" indent="-342900" algn="l" rtl="0">
-              <a:spcBef>
-                <a:spcPts val="0"/>
-              </a:spcBef>
-              <a:spcAft>
-                <a:spcPts val="0"/>
-              </a:spcAft>
-              <a:buSzPts val="1800"/>
-              <a:buAutoNum type="arabicPeriod"/>
-            </a:pPr>
-            <a:r>
-              <a:rPr lang="en" dirty="0"/>
-              <a:t>Menyelesaikan Fitur Vote dan Tunjuk (Fitnah)</a:t>
-            </a:r>
-            <a:endParaRPr dirty="0"/>
-          </a:p>
-          <a:p>
-            <a:pPr marL="457200" lvl="0" indent="-342900" algn="l" rtl="0">
-              <a:spcBef>
-                <a:spcPts val="0"/>
-              </a:spcBef>
-              <a:spcAft>
-                <a:spcPts val="0"/>
-              </a:spcAft>
-              <a:buSzPts val="1800"/>
-              <a:buAutoNum type="arabicPeriod"/>
-            </a:pPr>
-            <a:r>
-              <a:rPr lang="en" dirty="0"/>
-              <a:t>Menyelesaikan Fitur Kick</a:t>
+              <a:t>Menyelesaikan Fitur </a:t>
+            </a:r>
+            <a:r>
+              <a:rPr lang="en-GB" dirty="0"/>
+              <a:t>d</a:t>
+            </a:r>
+            <a:r>
+              <a:rPr lang="id-ID" dirty="0"/>
+              <a:t>iskualifikasi dan penetapan pemenang</a:t>
             </a:r>
             <a:endParaRPr dirty="0"/>
           </a:p>
@@ -8313,10 +8387,10 @@
               <a:buChar char="●"/>
             </a:pPr>
             <a:r>
-              <a:rPr lang="en"/>
-              <a:t>Krisna Badru W							05111740000048</a:t>
-            </a:r>
-            <a:endParaRPr/>
+              <a:rPr lang="en" dirty="0"/>
+              <a:t>Krisna Badru W					05111740000048</a:t>
+            </a:r>
+            <a:endParaRPr dirty="0"/>
           </a:p>
           <a:p>
             <a:pPr marL="457200" lvl="0" indent="-342900" algn="l" rtl="0">
@@ -8333,10 +8407,10 @@
               <a:buChar char="●"/>
             </a:pPr>
             <a:r>
-              <a:rPr lang="en"/>
-              <a:t>Affan Ahsanul Habib						05111740000091</a:t>
-            </a:r>
-            <a:endParaRPr/>
+              <a:rPr lang="en" dirty="0"/>
+              <a:t>Affan Ahsanul Habib					05111740000091</a:t>
+            </a:r>
+            <a:endParaRPr dirty="0"/>
           </a:p>
           <a:p>
             <a:pPr marL="457200" lvl="0" indent="-342900" algn="l" rtl="0">
@@ -8353,10 +8427,18 @@
               <a:buChar char="●"/>
             </a:pPr>
             <a:r>
-              <a:rPr lang="en"/>
-              <a:t>Muhammad Fawwaz Zuhdan Nauvali		05111740000106</a:t>
-            </a:r>
-            <a:endParaRPr/>
+              <a:rPr lang="en" dirty="0"/>
+              <a:t>Muhammad Fawwaz Zuhdan Nauvali		</a:t>
+            </a:r>
+            <a:r>
+              <a:rPr lang="id-ID" dirty="0"/>
+              <a:t>	</a:t>
+            </a:r>
+            <a:r>
+              <a:rPr lang="en" dirty="0"/>
+              <a:t>05111740000106</a:t>
+            </a:r>
+            <a:endParaRPr dirty="0"/>
           </a:p>
           <a:p>
             <a:pPr marL="457200" lvl="0" indent="-342900" algn="l" rtl="0">
@@ -8373,10 +8455,10 @@
               <a:buChar char="●"/>
             </a:pPr>
             <a:r>
-              <a:rPr lang="en"/>
-              <a:t>Najatul Muslim Dinatra					05111740000079</a:t>
-            </a:r>
-            <a:endParaRPr/>
+              <a:rPr lang="en" dirty="0"/>
+              <a:t>Najatul Muslim Dinatra				05111740000079</a:t>
+            </a:r>
+            <a:endParaRPr dirty="0"/>
           </a:p>
           <a:p>
             <a:pPr marL="457200" lvl="0" indent="-342900" algn="l" rtl="0">
@@ -8393,10 +8475,10 @@
               <a:buChar char="●"/>
             </a:pPr>
             <a:r>
-              <a:rPr lang="en"/>
-              <a:t>Meila Kamilia							05111740000189</a:t>
-            </a:r>
-            <a:endParaRPr/>
+              <a:rPr lang="en" dirty="0"/>
+              <a:t>Meila Kamilia					05111740000189</a:t>
+            </a:r>
+            <a:endParaRPr dirty="0"/>
           </a:p>
           <a:p>
             <a:pPr marL="457200" lvl="0" indent="-342900" algn="l" rtl="0">
@@ -8413,10 +8495,10 @@
               <a:buChar char="●"/>
             </a:pPr>
             <a:r>
-              <a:rPr lang="en"/>
-              <a:t>Vania Cikanindi 							05111740000193</a:t>
-            </a:r>
-            <a:endParaRPr/>
+              <a:rPr lang="en" dirty="0"/>
+              <a:t>Vania Cikanindi 					05111740000193</a:t>
+            </a:r>
+            <a:endParaRPr dirty="0"/>
           </a:p>
           <a:p>
             <a:pPr marL="457200" lvl="0" indent="-342900" algn="l" rtl="0">
@@ -8433,10 +8515,10 @@
               <a:buChar char="●"/>
             </a:pPr>
             <a:r>
-              <a:rPr lang="en"/>
+              <a:rPr lang="en" dirty="0"/>
               <a:t>Shania Eriadhani Astagina 				05111740000110</a:t>
             </a:r>
-            <a:endParaRPr/>
+            <a:endParaRPr dirty="0"/>
           </a:p>
         </p:txBody>
       </p:sp>
@@ -8558,10 +8640,6 @@
           <a:lstStyle/>
           <a:p>
             <a:r>
-              <a:rPr lang="en" dirty="0"/>
-              <a:t>Fitur 1 : </a:t>
-            </a:r>
-            <a:r>
               <a:rPr lang="en-US" dirty="0" err="1"/>
               <a:t>Menyelesaikan</a:t>
             </a:r>
@@ -8867,7 +8945,7 @@
         </p:blipFill>
         <p:spPr>
           <a:xfrm>
-            <a:off x="311700" y="1266325"/>
+            <a:off x="978965" y="1266325"/>
             <a:ext cx="3162300" cy="2247900"/>
           </a:xfrm>
           <a:prstGeom prst="rect">
@@ -8897,7 +8975,7 @@
         </p:blipFill>
         <p:spPr>
           <a:xfrm>
-            <a:off x="3474000" y="1266325"/>
+            <a:off x="4141265" y="1266325"/>
             <a:ext cx="3533775" cy="1524000"/>
           </a:xfrm>
           <a:prstGeom prst="rect">
@@ -8971,7 +9049,12 @@
             <p:ph type="body" idx="1"/>
           </p:nvPr>
         </p:nvSpPr>
-        <p:spPr/>
+        <p:spPr>
+          <a:xfrm>
+            <a:off x="148281" y="1266325"/>
+            <a:ext cx="8684019" cy="3302700"/>
+          </a:xfrm>
+        </p:spPr>
         <p:txBody>
           <a:bodyPr/>
           <a:lstStyle/>
@@ -9042,7 +9125,19 @@
             </a:r>
             <a:r>
               <a:rPr lang="en-US" dirty="0"/>
-              <a:t> di masing2 window</a:t>
+              <a:t> di </a:t>
+            </a:r>
+            <a:r>
+              <a:rPr lang="en-US" dirty="0" err="1"/>
+              <a:t>masing</a:t>
+            </a:r>
+            <a:r>
+              <a:rPr lang="id-ID" dirty="0"/>
+              <a:t>-masing </a:t>
+            </a:r>
+            <a:r>
+              <a:rPr lang="en-US" dirty="0"/>
+              <a:t>window</a:t>
             </a:r>
           </a:p>
           <a:p>
@@ -9180,7 +9275,7 @@
             </a:pPr>
             <a:r>
               <a:rPr lang="en" dirty="0"/>
-              <a:t>Fitur 2 : Pembagian Role Antar User</a:t>
+              <a:t>Pembagian Role Antar User</a:t>
             </a:r>
             <a:endParaRPr dirty="0"/>
           </a:p>
@@ -9208,7 +9303,7 @@
         </p:blipFill>
         <p:spPr>
           <a:xfrm>
-            <a:off x="10633" y="841225"/>
+            <a:off x="290723" y="684703"/>
             <a:ext cx="3838575" cy="4152900"/>
           </a:xfrm>
           <a:prstGeom prst="rect">
@@ -9238,7 +9333,7 @@
         </p:blipFill>
         <p:spPr>
           <a:xfrm>
-            <a:off x="3849208" y="841225"/>
+            <a:off x="4129298" y="684703"/>
             <a:ext cx="4572000" cy="3114675"/>
           </a:xfrm>
           <a:prstGeom prst="rect">
@@ -9381,6 +9476,10 @@
               <a:t>				</a:t>
             </a:r>
             <a:r>
+              <a:rPr lang="id-ID" dirty="0"/>
+              <a:t>  </a:t>
+            </a:r>
+            <a:r>
               <a:rPr lang="en-US" sz="1200" dirty="0"/>
               <a:t>salah </a:t>
             </a:r>
@@ -9430,6 +9529,10 @@
             <a:r>
               <a:rPr lang="en-US" sz="1200" dirty="0"/>
               <a:t>				</a:t>
+            </a:r>
+            <a:r>
+              <a:rPr lang="id-ID" sz="1200" dirty="0"/>
+              <a:t>   </a:t>
             </a:r>
             <a:r>
               <a:rPr lang="en-US" sz="1200" dirty="0" err="1"/>
